--- a/lecture-03.pptx
+++ b/lecture-03.pptx
@@ -222,7 +222,7 @@
           <a:p>
             <a:fld id="{BD589D72-A080-4A79-B96C-EAF4279EA27C}" type="datetimeFigureOut">
               <a:rPr lang="ru-RU" smtClean="0"/>
-              <a:t>12.09.2019</a:t>
+              <a:t>18.09.2019</a:t>
             </a:fld>
             <a:endParaRPr lang="ru-RU"/>
           </a:p>
@@ -903,7 +903,7 @@
           <a:p>
             <a:fld id="{B4C71EC6-210F-42DE-9C53-41977AD35B3D}" type="datetimeFigureOut">
               <a:rPr lang="ru-RU" smtClean="0"/>
-              <a:t>12.09.2019</a:t>
+              <a:t>18.09.2019</a:t>
             </a:fld>
             <a:endParaRPr lang="ru-RU"/>
           </a:p>
@@ -1068,7 +1068,7 @@
           <a:p>
             <a:fld id="{B4C71EC6-210F-42DE-9C53-41977AD35B3D}" type="datetimeFigureOut">
               <a:rPr lang="ru-RU" smtClean="0"/>
-              <a:t>12.09.2019</a:t>
+              <a:t>18.09.2019</a:t>
             </a:fld>
             <a:endParaRPr lang="ru-RU"/>
           </a:p>
@@ -1243,7 +1243,7 @@
           <a:p>
             <a:fld id="{B4C71EC6-210F-42DE-9C53-41977AD35B3D}" type="datetimeFigureOut">
               <a:rPr lang="ru-RU" smtClean="0"/>
-              <a:t>12.09.2019</a:t>
+              <a:t>18.09.2019</a:t>
             </a:fld>
             <a:endParaRPr lang="ru-RU"/>
           </a:p>
@@ -1408,7 +1408,7 @@
           <a:p>
             <a:fld id="{B4C71EC6-210F-42DE-9C53-41977AD35B3D}" type="datetimeFigureOut">
               <a:rPr lang="ru-RU" smtClean="0"/>
-              <a:t>12.09.2019</a:t>
+              <a:t>18.09.2019</a:t>
             </a:fld>
             <a:endParaRPr lang="ru-RU"/>
           </a:p>
@@ -1649,7 +1649,7 @@
           <a:p>
             <a:fld id="{B4C71EC6-210F-42DE-9C53-41977AD35B3D}" type="datetimeFigureOut">
               <a:rPr lang="ru-RU" smtClean="0"/>
-              <a:t>12.09.2019</a:t>
+              <a:t>18.09.2019</a:t>
             </a:fld>
             <a:endParaRPr lang="ru-RU"/>
           </a:p>
@@ -1932,7 +1932,7 @@
           <a:p>
             <a:fld id="{B4C71EC6-210F-42DE-9C53-41977AD35B3D}" type="datetimeFigureOut">
               <a:rPr lang="ru-RU" smtClean="0"/>
-              <a:t>12.09.2019</a:t>
+              <a:t>18.09.2019</a:t>
             </a:fld>
             <a:endParaRPr lang="ru-RU"/>
           </a:p>
@@ -2349,7 +2349,7 @@
           <a:p>
             <a:fld id="{B4C71EC6-210F-42DE-9C53-41977AD35B3D}" type="datetimeFigureOut">
               <a:rPr lang="ru-RU" smtClean="0"/>
-              <a:t>12.09.2019</a:t>
+              <a:t>18.09.2019</a:t>
             </a:fld>
             <a:endParaRPr lang="ru-RU"/>
           </a:p>
@@ -2462,7 +2462,7 @@
           <a:p>
             <a:fld id="{B4C71EC6-210F-42DE-9C53-41977AD35B3D}" type="datetimeFigureOut">
               <a:rPr lang="ru-RU" smtClean="0"/>
-              <a:t>12.09.2019</a:t>
+              <a:t>18.09.2019</a:t>
             </a:fld>
             <a:endParaRPr lang="ru-RU"/>
           </a:p>
@@ -2552,7 +2552,7 @@
           <a:p>
             <a:fld id="{B4C71EC6-210F-42DE-9C53-41977AD35B3D}" type="datetimeFigureOut">
               <a:rPr lang="ru-RU" smtClean="0"/>
-              <a:t>12.09.2019</a:t>
+              <a:t>18.09.2019</a:t>
             </a:fld>
             <a:endParaRPr lang="ru-RU"/>
           </a:p>
@@ -2824,7 +2824,7 @@
           <a:p>
             <a:fld id="{B4C71EC6-210F-42DE-9C53-41977AD35B3D}" type="datetimeFigureOut">
               <a:rPr lang="ru-RU" smtClean="0"/>
-              <a:t>12.09.2019</a:t>
+              <a:t>18.09.2019</a:t>
             </a:fld>
             <a:endParaRPr lang="ru-RU"/>
           </a:p>
@@ -3072,7 +3072,7 @@
           <a:p>
             <a:fld id="{B4C71EC6-210F-42DE-9C53-41977AD35B3D}" type="datetimeFigureOut">
               <a:rPr lang="ru-RU" smtClean="0"/>
-              <a:t>12.09.2019</a:t>
+              <a:t>18.09.2019</a:t>
             </a:fld>
             <a:endParaRPr lang="ru-RU"/>
           </a:p>
@@ -3289,7 +3289,7 @@
           <a:p>
             <a:fld id="{B4C71EC6-210F-42DE-9C53-41977AD35B3D}" type="datetimeFigureOut">
               <a:rPr lang="ru-RU" smtClean="0"/>
-              <a:t>12.09.2019</a:t>
+              <a:t>18.09.2019</a:t>
             </a:fld>
             <a:endParaRPr lang="ru-RU"/>
           </a:p>
@@ -6500,11 +6500,7 @@
             </a:r>
             <a:r>
               <a:rPr lang="ru-RU" dirty="0" smtClean="0"/>
-              <a:t> </a:t>
-            </a:r>
-            <a:r>
-              <a:rPr lang="ru-RU" dirty="0" smtClean="0"/>
-              <a:t>список</a:t>
+              <a:t> список</a:t>
             </a:r>
             <a:endParaRPr lang="uk-UA" dirty="0"/>
           </a:p>
@@ -12052,14 +12048,14 @@
           <p:nvPr>
             <p:extLst>
               <p:ext uri="{D42A27DB-BD31-4B8C-83A1-F6EECF244321}">
-                <p14:modId xmlns:p14="http://schemas.microsoft.com/office/powerpoint/2010/main" val="3605478956"/>
+                <p14:modId xmlns:p14="http://schemas.microsoft.com/office/powerpoint/2010/main" val="3084712498"/>
               </p:ext>
             </p:extLst>
           </p:nvPr>
         </p:nvGraphicFramePr>
         <p:xfrm>
           <a:off x="122356" y="2275247"/>
-          <a:ext cx="9021643" cy="4153903"/>
+          <a:ext cx="9021643" cy="4083387"/>
         </p:xfrm>
         <a:graphic>
           <a:graphicData uri="http://schemas.openxmlformats.org/drawingml/2006/table">
@@ -12068,8 +12064,8 @@
               <a:tblGrid>
                 <a:gridCol w="1659351"/>
                 <a:gridCol w="897351"/>
-                <a:gridCol w="852043"/>
-                <a:gridCol w="962629"/>
+                <a:gridCol w="956838"/>
+                <a:gridCol w="857834"/>
                 <a:gridCol w="947262"/>
                 <a:gridCol w="896558"/>
                 <a:gridCol w="896558"/>
@@ -19309,7 +19305,13 @@
                         <a:rPr lang="en-US" sz="1400" b="0" dirty="0" smtClean="0">
                           <a:effectLst/>
                         </a:rPr>
-                        <a:t>O (log (n))</a:t>
+                        <a:t>O(log </a:t>
+                      </a:r>
+                      <a:r>
+                        <a:rPr lang="en-US" sz="1400" b="0" dirty="0" smtClean="0">
+                          <a:effectLst/>
+                        </a:rPr>
+                        <a:t>(n))</a:t>
                       </a:r>
                       <a:endParaRPr lang="en-US" sz="1400" b="0" dirty="0">
                         <a:effectLst/>
@@ -19456,7 +19458,13 @@
                         <a:rPr lang="en-US" sz="1400" b="0" dirty="0" smtClean="0">
                           <a:effectLst/>
                         </a:rPr>
-                        <a:t>O (log (n))</a:t>
+                        <a:t>O(log </a:t>
+                      </a:r>
+                      <a:r>
+                        <a:rPr lang="en-US" sz="1400" b="0" dirty="0" smtClean="0">
+                          <a:effectLst/>
+                        </a:rPr>
+                        <a:t>(n))</a:t>
                       </a:r>
                       <a:endParaRPr lang="en-US" sz="1400" b="0" dirty="0">
                         <a:effectLst/>
@@ -21489,14 +21497,14 @@
           <p:nvPr>
             <p:extLst>
               <p:ext uri="{D42A27DB-BD31-4B8C-83A1-F6EECF244321}">
-                <p14:modId xmlns:p14="http://schemas.microsoft.com/office/powerpoint/2010/main" val="3919632677"/>
+                <p14:modId xmlns:p14="http://schemas.microsoft.com/office/powerpoint/2010/main" val="3211079298"/>
               </p:ext>
             </p:extLst>
           </p:nvPr>
         </p:nvGraphicFramePr>
         <p:xfrm>
           <a:off x="122356" y="1680516"/>
-          <a:ext cx="9021643" cy="4662507"/>
+          <a:ext cx="9021643" cy="4591991"/>
         </p:xfrm>
         <a:graphic>
           <a:graphicData uri="http://schemas.openxmlformats.org/drawingml/2006/table">
@@ -21505,8 +21513,8 @@
               <a:tblGrid>
                 <a:gridCol w="1659351"/>
                 <a:gridCol w="897351"/>
-                <a:gridCol w="852043"/>
-                <a:gridCol w="962629"/>
+                <a:gridCol w="956838"/>
+                <a:gridCol w="857834"/>
                 <a:gridCol w="947262"/>
                 <a:gridCol w="896558"/>
                 <a:gridCol w="896558"/>
@@ -28746,7 +28754,13 @@
                         <a:rPr lang="en-US" sz="1400" b="0" dirty="0" smtClean="0">
                           <a:effectLst/>
                         </a:rPr>
-                        <a:t>O (log (n))</a:t>
+                        <a:t>O(log </a:t>
+                      </a:r>
+                      <a:r>
+                        <a:rPr lang="en-US" sz="1400" b="0" dirty="0" smtClean="0">
+                          <a:effectLst/>
+                        </a:rPr>
+                        <a:t>(n))</a:t>
                       </a:r>
                       <a:endParaRPr lang="en-US" sz="1400" b="0" dirty="0">
                         <a:effectLst/>
@@ -28890,10 +28904,16 @@
                         <a:defRPr/>
                       </a:pPr>
                       <a:r>
+                        <a:rPr lang="en-US" sz="1400" b="0" smtClean="0">
+                          <a:effectLst/>
+                        </a:rPr>
+                        <a:t>O(log </a:t>
+                      </a:r>
+                      <a:r>
                         <a:rPr lang="en-US" sz="1400" b="0" dirty="0" smtClean="0">
                           <a:effectLst/>
                         </a:rPr>
-                        <a:t>O (log (n))</a:t>
+                        <a:t>(n))</a:t>
                       </a:r>
                       <a:endParaRPr lang="en-US" sz="1400" b="0" dirty="0">
                         <a:effectLst/>
@@ -31763,7 +31783,7 @@
         </p:nvGraphicFramePr>
         <p:xfrm>
           <a:off x="122356" y="1680516"/>
-          <a:ext cx="9021643" cy="4161669"/>
+          <a:ext cx="9021643" cy="4148969"/>
         </p:xfrm>
         <a:graphic>
           <a:graphicData uri="http://schemas.openxmlformats.org/drawingml/2006/table">
@@ -32030,13 +32050,7 @@
                         <a:rPr lang="ru-RU" sz="1800" dirty="0" smtClean="0">
                           <a:effectLst/>
                         </a:rPr>
-                        <a:t> </a:t>
-                      </a:r>
-                      <a:r>
-                        <a:rPr lang="ru-RU" sz="1800" dirty="0" smtClean="0">
-                          <a:effectLst/>
-                        </a:rPr>
-                        <a:t>складність</a:t>
+                        <a:t> складність</a:t>
                       </a:r>
                     </a:p>
                     <a:p>
@@ -33897,16 +33911,7 @@
                           <a:ea typeface="Calibri" panose="020F0502020204030204" pitchFamily="34" charset="0"/>
                           <a:cs typeface="Times New Roman" panose="02020603050405020304" pitchFamily="18" charset="0"/>
                         </a:rPr>
-                        <a:t>Insertion </a:t>
-                      </a:r>
-                      <a:r>
-                        <a:rPr lang="en-US" sz="1800" dirty="0" smtClean="0">
-                          <a:effectLst/>
-                          <a:latin typeface="Calibri" panose="020F0502020204030204" pitchFamily="34" charset="0"/>
-                          <a:ea typeface="Calibri" panose="020F0502020204030204" pitchFamily="34" charset="0"/>
-                          <a:cs typeface="Times New Roman" panose="02020603050405020304" pitchFamily="18" charset="0"/>
-                        </a:rPr>
-                        <a:t>Sort</a:t>
+                        <a:t>Insertion Sort</a:t>
                       </a:r>
                       <a:r>
                         <a:rPr lang="uk-UA" sz="1800" dirty="0" smtClean="0">
